--- a/doc/css_map.pptx
+++ b/doc/css_map.pptx
@@ -288,7 +288,7 @@
           <a:p>
             <a:fld id="{8C5B698F-FD59-41B1-B89F-35C8999CFA51}" type="datetimeFigureOut">
               <a:rPr lang="fr-FR" smtClean="0"/>
-              <a:t>06/08/2013</a:t>
+              <a:t>19/11/2013</a:t>
             </a:fld>
             <a:endParaRPr lang="fr-FR"/>
           </a:p>
@@ -458,7 +458,7 @@
           <a:p>
             <a:fld id="{8C5B698F-FD59-41B1-B89F-35C8999CFA51}" type="datetimeFigureOut">
               <a:rPr lang="fr-FR" smtClean="0"/>
-              <a:t>06/08/2013</a:t>
+              <a:t>19/11/2013</a:t>
             </a:fld>
             <a:endParaRPr lang="fr-FR"/>
           </a:p>
@@ -638,7 +638,7 @@
           <a:p>
             <a:fld id="{8C5B698F-FD59-41B1-B89F-35C8999CFA51}" type="datetimeFigureOut">
               <a:rPr lang="fr-FR" smtClean="0"/>
-              <a:t>06/08/2013</a:t>
+              <a:t>19/11/2013</a:t>
             </a:fld>
             <a:endParaRPr lang="fr-FR"/>
           </a:p>
@@ -808,7 +808,7 @@
           <a:p>
             <a:fld id="{8C5B698F-FD59-41B1-B89F-35C8999CFA51}" type="datetimeFigureOut">
               <a:rPr lang="fr-FR" smtClean="0"/>
-              <a:t>06/08/2013</a:t>
+              <a:t>19/11/2013</a:t>
             </a:fld>
             <a:endParaRPr lang="fr-FR"/>
           </a:p>
@@ -1054,7 +1054,7 @@
           <a:p>
             <a:fld id="{8C5B698F-FD59-41B1-B89F-35C8999CFA51}" type="datetimeFigureOut">
               <a:rPr lang="fr-FR" smtClean="0"/>
-              <a:t>06/08/2013</a:t>
+              <a:t>19/11/2013</a:t>
             </a:fld>
             <a:endParaRPr lang="fr-FR"/>
           </a:p>
@@ -1342,7 +1342,7 @@
           <a:p>
             <a:fld id="{8C5B698F-FD59-41B1-B89F-35C8999CFA51}" type="datetimeFigureOut">
               <a:rPr lang="fr-FR" smtClean="0"/>
-              <a:t>06/08/2013</a:t>
+              <a:t>19/11/2013</a:t>
             </a:fld>
             <a:endParaRPr lang="fr-FR"/>
           </a:p>
@@ -1764,7 +1764,7 @@
           <a:p>
             <a:fld id="{8C5B698F-FD59-41B1-B89F-35C8999CFA51}" type="datetimeFigureOut">
               <a:rPr lang="fr-FR" smtClean="0"/>
-              <a:t>06/08/2013</a:t>
+              <a:t>19/11/2013</a:t>
             </a:fld>
             <a:endParaRPr lang="fr-FR"/>
           </a:p>
@@ -1882,7 +1882,7 @@
           <a:p>
             <a:fld id="{8C5B698F-FD59-41B1-B89F-35C8999CFA51}" type="datetimeFigureOut">
               <a:rPr lang="fr-FR" smtClean="0"/>
-              <a:t>06/08/2013</a:t>
+              <a:t>19/11/2013</a:t>
             </a:fld>
             <a:endParaRPr lang="fr-FR"/>
           </a:p>
@@ -1977,7 +1977,7 @@
           <a:p>
             <a:fld id="{8C5B698F-FD59-41B1-B89F-35C8999CFA51}" type="datetimeFigureOut">
               <a:rPr lang="fr-FR" smtClean="0"/>
-              <a:t>06/08/2013</a:t>
+              <a:t>19/11/2013</a:t>
             </a:fld>
             <a:endParaRPr lang="fr-FR"/>
           </a:p>
@@ -2254,7 +2254,7 @@
           <a:p>
             <a:fld id="{8C5B698F-FD59-41B1-B89F-35C8999CFA51}" type="datetimeFigureOut">
               <a:rPr lang="fr-FR" smtClean="0"/>
-              <a:t>06/08/2013</a:t>
+              <a:t>19/11/2013</a:t>
             </a:fld>
             <a:endParaRPr lang="fr-FR"/>
           </a:p>
@@ -2507,7 +2507,7 @@
           <a:p>
             <a:fld id="{8C5B698F-FD59-41B1-B89F-35C8999CFA51}" type="datetimeFigureOut">
               <a:rPr lang="fr-FR" smtClean="0"/>
-              <a:t>06/08/2013</a:t>
+              <a:t>19/11/2013</a:t>
             </a:fld>
             <a:endParaRPr lang="fr-FR"/>
           </a:p>
@@ -2720,7 +2720,7 @@
           <a:p>
             <a:fld id="{8C5B698F-FD59-41B1-B89F-35C8999CFA51}" type="datetimeFigureOut">
               <a:rPr lang="fr-FR" smtClean="0"/>
-              <a:t>06/08/2013</a:t>
+              <a:t>19/11/2013</a:t>
             </a:fld>
             <a:endParaRPr lang="fr-FR"/>
           </a:p>
@@ -3103,8 +3103,62 @@
         </p:nvSpPr>
         <p:spPr>
           <a:xfrm>
-            <a:off x="1907704" y="928465"/>
-            <a:ext cx="5328592" cy="4687215"/>
+            <a:off x="2513589" y="1412776"/>
+            <a:ext cx="3863837" cy="3600400"/>
+          </a:xfrm>
+          <a:prstGeom prst="rect">
+            <a:avLst/>
+          </a:prstGeom>
+          <a:solidFill>
+            <a:schemeClr val="accent5">
+              <a:lumMod val="20000"/>
+              <a:lumOff val="80000"/>
+            </a:schemeClr>
+          </a:solidFill>
+          <a:ln>
+            <a:solidFill>
+              <a:schemeClr val="accent5">
+                <a:lumMod val="60000"/>
+                <a:lumOff val="40000"/>
+              </a:schemeClr>
+            </a:solidFill>
+          </a:ln>
+        </p:spPr>
+        <p:style>
+          <a:lnRef idx="2">
+            <a:schemeClr val="accent3"/>
+          </a:lnRef>
+          <a:fillRef idx="1">
+            <a:schemeClr val="lt1"/>
+          </a:fillRef>
+          <a:effectRef idx="0">
+            <a:schemeClr val="accent3"/>
+          </a:effectRef>
+          <a:fontRef idx="minor">
+            <a:schemeClr val="dk1"/>
+          </a:fontRef>
+        </p:style>
+        <p:txBody>
+          <a:bodyPr rtlCol="0" anchor="ctr"/>
+          <a:lstStyle/>
+          <a:p>
+            <a:pPr algn="ctr"/>
+            <a:endParaRPr lang="fr-FR" sz="2800">
+              <a:latin typeface="Freestyle Script" pitchFamily="66" charset="0"/>
+            </a:endParaRPr>
+          </a:p>
+        </p:txBody>
+      </p:sp>
+      <p:sp>
+        <p:nvSpPr>
+          <p:cNvPr id="33" name="Rectangle 32"/>
+          <p:cNvSpPr/>
+          <p:nvPr/>
+        </p:nvSpPr>
+        <p:spPr>
+          <a:xfrm>
+            <a:off x="2644294" y="1516721"/>
+            <a:ext cx="3626077" cy="3424447"/>
           </a:xfrm>
           <a:prstGeom prst="rect">
             <a:avLst/>
@@ -3135,7 +3189,9 @@
           <a:lstStyle/>
           <a:p>
             <a:pPr algn="ctr"/>
-            <a:endParaRPr lang="fr-FR"/>
+            <a:endParaRPr lang="fr-FR" sz="2800">
+              <a:latin typeface="Freestyle Script" pitchFamily="66" charset="0"/>
+            </a:endParaRPr>
           </a:p>
         </p:txBody>
       </p:sp>
@@ -3147,8 +3203,8 @@
         </p:nvSpPr>
         <p:spPr>
           <a:xfrm>
-            <a:off x="2038222" y="1079177"/>
-            <a:ext cx="5054058" cy="3312368"/>
+            <a:off x="2787250" y="1655241"/>
+            <a:ext cx="3355178" cy="2061791"/>
           </a:xfrm>
           <a:prstGeom prst="rect">
             <a:avLst/>
@@ -3179,7 +3235,9 @@
           <a:lstStyle/>
           <a:p>
             <a:pPr algn="ctr"/>
-            <a:endParaRPr lang="fr-FR"/>
+            <a:endParaRPr lang="fr-FR" sz="2800">
+              <a:latin typeface="Freestyle Script" pitchFamily="66" charset="0"/>
+            </a:endParaRPr>
           </a:p>
         </p:txBody>
       </p:sp>
@@ -3191,8 +3249,8 @@
         </p:nvSpPr>
         <p:spPr>
           <a:xfrm>
-            <a:off x="2038222" y="4463553"/>
-            <a:ext cx="5054058" cy="1008112"/>
+            <a:off x="2787250" y="3789040"/>
+            <a:ext cx="3355178" cy="1008112"/>
           </a:xfrm>
           <a:prstGeom prst="rect">
             <a:avLst/>
@@ -3228,7 +3286,9 @@
           <a:lstStyle/>
           <a:p>
             <a:pPr algn="ctr"/>
-            <a:endParaRPr lang="fr-FR"/>
+            <a:endParaRPr lang="fr-FR" sz="2800">
+              <a:latin typeface="Freestyle Script" pitchFamily="66" charset="0"/>
+            </a:endParaRPr>
           </a:p>
         </p:txBody>
       </p:sp>
@@ -3240,7 +3300,7 @@
         </p:nvSpPr>
         <p:spPr>
           <a:xfrm>
-            <a:off x="2123729" y="4580763"/>
+            <a:off x="2872757" y="3906250"/>
             <a:ext cx="288032" cy="314838"/>
           </a:xfrm>
           <a:prstGeom prst="rect">
@@ -3272,7 +3332,9 @@
           <a:lstStyle/>
           <a:p>
             <a:pPr algn="ctr"/>
-            <a:endParaRPr lang="fr-FR"/>
+            <a:endParaRPr lang="fr-FR" sz="2800">
+              <a:latin typeface="Freestyle Script" pitchFamily="66" charset="0"/>
+            </a:endParaRPr>
           </a:p>
         </p:txBody>
       </p:sp>
@@ -3284,8 +3346,8 @@
         </p:nvSpPr>
         <p:spPr>
           <a:xfrm>
-            <a:off x="2483769" y="4580763"/>
-            <a:ext cx="4536504" cy="314838"/>
+            <a:off x="3232797" y="3906250"/>
+            <a:ext cx="2808311" cy="314838"/>
           </a:xfrm>
           <a:prstGeom prst="rect">
             <a:avLst/>
@@ -3316,7 +3378,9 @@
           <a:lstStyle/>
           <a:p>
             <a:pPr algn="ctr"/>
-            <a:endParaRPr lang="fr-FR" sz="1600" dirty="0"/>
+            <a:endParaRPr lang="fr-FR" sz="2400" dirty="0">
+              <a:latin typeface="Freestyle Script" pitchFamily="66" charset="0"/>
+            </a:endParaRPr>
           </a:p>
         </p:txBody>
       </p:sp>
@@ -3328,8 +3392,8 @@
         </p:nvSpPr>
         <p:spPr>
           <a:xfrm>
-            <a:off x="2123729" y="4967609"/>
-            <a:ext cx="4896544" cy="432048"/>
+            <a:off x="2872757" y="4293096"/>
+            <a:ext cx="3168351" cy="366137"/>
           </a:xfrm>
           <a:prstGeom prst="rect">
             <a:avLst/>
@@ -3360,10 +3424,14 @@
           <a:p>
             <a:pPr algn="ctr"/>
             <a:r>
-              <a:rPr lang="fr-FR" sz="1600" dirty="0" smtClean="0"/>
+              <a:rPr lang="fr-FR" sz="2000" dirty="0" smtClean="0">
+                <a:latin typeface="Freestyle Script" pitchFamily="66" charset="0"/>
+              </a:rPr>
               <a:t>.labelDescription</a:t>
             </a:r>
-            <a:endParaRPr lang="fr-FR" sz="1600" dirty="0"/>
+            <a:endParaRPr lang="fr-FR" sz="2000" dirty="0">
+              <a:latin typeface="Freestyle Script" pitchFamily="66" charset="0"/>
+            </a:endParaRPr>
           </a:p>
         </p:txBody>
       </p:sp>
@@ -3375,8 +3443,8 @@
         </p:nvSpPr>
         <p:spPr>
           <a:xfrm>
-            <a:off x="2123729" y="1151185"/>
-            <a:ext cx="4896544" cy="3168352"/>
+            <a:off x="2872757" y="1791902"/>
+            <a:ext cx="3168351" cy="1832846"/>
           </a:xfrm>
           <a:prstGeom prst="rect">
             <a:avLst/>
@@ -3407,101 +3475,27 @@
           <a:p>
             <a:pPr algn="ctr"/>
             <a:r>
-              <a:rPr lang="fr-FR" sz="1600" dirty="0" smtClean="0"/>
+              <a:rPr lang="fr-FR" sz="2400" dirty="0" smtClean="0">
+                <a:latin typeface="Freestyle Script" pitchFamily="66" charset="0"/>
+              </a:rPr>
               <a:t>.container  img</a:t>
             </a:r>
-            <a:endParaRPr lang="fr-FR" sz="1600" dirty="0"/>
-          </a:p>
-        </p:txBody>
-      </p:sp>
-      <p:sp>
-        <p:nvSpPr>
-          <p:cNvPr id="12" name="Rectangle 11"/>
-          <p:cNvSpPr/>
+            <a:endParaRPr lang="fr-FR" sz="2400" dirty="0">
+              <a:latin typeface="Freestyle Script" pitchFamily="66" charset="0"/>
+            </a:endParaRPr>
+          </a:p>
+        </p:txBody>
+      </p:sp>
+      <p:sp>
+        <p:nvSpPr>
+          <p:cNvPr id="24" name="ZoneTexte 23"/>
+          <p:cNvSpPr txBox="1"/>
           <p:nvPr/>
         </p:nvSpPr>
         <p:spPr>
           <a:xfrm>
-            <a:off x="1998640" y="1000473"/>
-            <a:ext cx="413121" cy="432048"/>
-          </a:xfrm>
-          <a:prstGeom prst="rect">
-            <a:avLst/>
-          </a:prstGeom>
-          <a:solidFill>
-            <a:schemeClr val="accent6">
-              <a:lumMod val="20000"/>
-              <a:lumOff val="80000"/>
-            </a:schemeClr>
-          </a:solidFill>
-        </p:spPr>
-        <p:style>
-          <a:lnRef idx="2">
-            <a:schemeClr val="accent6"/>
-          </a:lnRef>
-          <a:fillRef idx="1">
-            <a:schemeClr val="lt1"/>
-          </a:fillRef>
-          <a:effectRef idx="0">
-            <a:schemeClr val="accent6"/>
-          </a:effectRef>
-          <a:fontRef idx="minor">
-            <a:schemeClr val="dk1"/>
-          </a:fontRef>
-        </p:style>
-        <p:txBody>
-          <a:bodyPr rtlCol="0" anchor="ctr"/>
-          <a:lstStyle/>
-          <a:p>
-            <a:pPr algn="ctr"/>
-            <a:endParaRPr lang="fr-FR"/>
-          </a:p>
-        </p:txBody>
-      </p:sp>
-      <p:cxnSp>
-        <p:nvCxnSpPr>
-          <p:cNvPr id="16" name="Connecteur droit avec flèche 15"/>
-          <p:cNvCxnSpPr/>
-          <p:nvPr/>
-        </p:nvCxnSpPr>
-        <p:spPr>
-          <a:xfrm>
-            <a:off x="4347311" y="640433"/>
-            <a:ext cx="0" cy="288032"/>
-          </a:xfrm>
-          <a:prstGeom prst="straightConnector1">
-            <a:avLst/>
-          </a:prstGeom>
-          <a:ln>
-            <a:headEnd type="none" w="med" len="med"/>
-            <a:tailEnd type="triangle" w="med" len="med"/>
-          </a:ln>
-        </p:spPr>
-        <p:style>
-          <a:lnRef idx="3">
-            <a:schemeClr val="accent3"/>
-          </a:lnRef>
-          <a:fillRef idx="0">
-            <a:schemeClr val="accent3"/>
-          </a:fillRef>
-          <a:effectRef idx="2">
-            <a:schemeClr val="accent3"/>
-          </a:effectRef>
-          <a:fontRef idx="minor">
-            <a:schemeClr val="tx1"/>
-          </a:fontRef>
-        </p:style>
-      </p:cxnSp>
-      <p:sp>
-        <p:nvSpPr>
-          <p:cNvPr id="20" name="ZoneTexte 19"/>
-          <p:cNvSpPr txBox="1"/>
-          <p:nvPr/>
-        </p:nvSpPr>
-        <p:spPr>
-          <a:xfrm>
-            <a:off x="1835696" y="332656"/>
-            <a:ext cx="1483098" cy="307777"/>
+            <a:off x="1565889" y="907490"/>
+            <a:ext cx="809837" cy="400110"/>
           </a:xfrm>
           <a:prstGeom prst="rect">
             <a:avLst/>
@@ -3515,15 +3509,15 @@
           <a:lstStyle/>
           <a:p>
             <a:r>
-              <a:rPr lang="fr-FR" sz="1400" dirty="0" smtClean="0">
-                <a:latin typeface="Verdana" pitchFamily="34" charset="0"/>
+              <a:rPr lang="fr-FR" sz="2000" dirty="0" smtClean="0">
+                <a:latin typeface="Freestyle Script" pitchFamily="66" charset="0"/>
                 <a:ea typeface="Verdana" pitchFamily="34" charset="0"/>
                 <a:cs typeface="Verdana" pitchFamily="34" charset="0"/>
               </a:rPr>
-              <a:t>.iconInfo:after</a:t>
-            </a:r>
-            <a:endParaRPr lang="fr-FR" sz="1400" dirty="0">
-              <a:latin typeface="Verdana" pitchFamily="34" charset="0"/>
+              <a:t>.container</a:t>
+            </a:r>
+            <a:endParaRPr lang="fr-FR" sz="2000" dirty="0">
+              <a:latin typeface="Freestyle Script" pitchFamily="66" charset="0"/>
               <a:ea typeface="Verdana" pitchFamily="34" charset="0"/>
               <a:cs typeface="Verdana" pitchFamily="34" charset="0"/>
             </a:endParaRPr>
@@ -3532,14 +3526,14 @@
       </p:sp>
       <p:sp>
         <p:nvSpPr>
-          <p:cNvPr id="24" name="ZoneTexte 23"/>
+          <p:cNvPr id="27" name="ZoneTexte 26"/>
           <p:cNvSpPr txBox="1"/>
           <p:nvPr/>
         </p:nvSpPr>
         <p:spPr>
           <a:xfrm>
-            <a:off x="3840074" y="332656"/>
-            <a:ext cx="1091966" cy="307777"/>
+            <a:off x="6906088" y="1268760"/>
+            <a:ext cx="1050288" cy="400110"/>
           </a:xfrm>
           <a:prstGeom prst="rect">
             <a:avLst/>
@@ -3553,65 +3547,31 @@
           <a:lstStyle/>
           <a:p>
             <a:r>
-              <a:rPr lang="fr-FR" sz="1400" dirty="0" smtClean="0">
-                <a:latin typeface="Verdana" pitchFamily="34" charset="0"/>
+              <a:rPr lang="fr-FR" sz="2000" dirty="0" smtClean="0">
+                <a:latin typeface="Freestyle Script" pitchFamily="66" charset="0"/>
                 <a:ea typeface="Verdana" pitchFamily="34" charset="0"/>
                 <a:cs typeface="Verdana" pitchFamily="34" charset="0"/>
               </a:rPr>
-              <a:t>.container</a:t>
-            </a:r>
-            <a:endParaRPr lang="fr-FR" sz="1400" dirty="0">
-              <a:latin typeface="Verdana" pitchFamily="34" charset="0"/>
+              <a:t>.imgContainer</a:t>
+            </a:r>
+            <a:endParaRPr lang="fr-FR" sz="2000" dirty="0">
+              <a:latin typeface="Freestyle Script" pitchFamily="66" charset="0"/>
               <a:ea typeface="Verdana" pitchFamily="34" charset="0"/>
               <a:cs typeface="Verdana" pitchFamily="34" charset="0"/>
             </a:endParaRPr>
           </a:p>
         </p:txBody>
       </p:sp>
-      <p:cxnSp>
-        <p:nvCxnSpPr>
-          <p:cNvPr id="25" name="Connecteur droit avec flèche 24"/>
-          <p:cNvCxnSpPr/>
+      <p:sp>
+        <p:nvSpPr>
+          <p:cNvPr id="30" name="ZoneTexte 29"/>
+          <p:cNvSpPr txBox="1"/>
           <p:nvPr/>
-        </p:nvCxnSpPr>
+        </p:nvSpPr>
         <p:spPr>
           <a:xfrm>
-            <a:off x="2205200" y="640433"/>
-            <a:ext cx="1" cy="576064"/>
-          </a:xfrm>
-          <a:prstGeom prst="straightConnector1">
-            <a:avLst/>
-          </a:prstGeom>
-          <a:ln>
-            <a:headEnd type="none" w="med" len="med"/>
-            <a:tailEnd type="triangle" w="med" len="med"/>
-          </a:ln>
-        </p:spPr>
-        <p:style>
-          <a:lnRef idx="3">
-            <a:schemeClr val="accent6"/>
-          </a:lnRef>
-          <a:fillRef idx="0">
-            <a:schemeClr val="accent6"/>
-          </a:fillRef>
-          <a:effectRef idx="2">
-            <a:schemeClr val="accent6"/>
-          </a:effectRef>
-          <a:fontRef idx="minor">
-            <a:schemeClr val="tx1"/>
-          </a:fontRef>
-        </p:style>
-      </p:cxnSp>
-      <p:sp>
-        <p:nvSpPr>
-          <p:cNvPr id="27" name="ZoneTexte 26"/>
-          <p:cNvSpPr txBox="1"/>
-          <p:nvPr/>
-        </p:nvSpPr>
-        <p:spPr>
-          <a:xfrm>
-            <a:off x="5487608" y="332656"/>
-            <a:ext cx="1460656" cy="307777"/>
+            <a:off x="763298" y="4305290"/>
+            <a:ext cx="1792478" cy="707886"/>
           </a:xfrm>
           <a:prstGeom prst="rect">
             <a:avLst/>
@@ -3625,102 +3585,41 @@
           <a:lstStyle/>
           <a:p>
             <a:r>
-              <a:rPr lang="fr-FR" sz="1400" dirty="0" smtClean="0">
-                <a:latin typeface="Verdana" pitchFamily="34" charset="0"/>
+              <a:rPr lang="fr-FR" sz="2000" dirty="0" smtClean="0">
+                <a:latin typeface="Freestyle Script" pitchFamily="66" charset="0"/>
                 <a:ea typeface="Verdana" pitchFamily="34" charset="0"/>
                 <a:cs typeface="Verdana" pitchFamily="34" charset="0"/>
               </a:rPr>
-              <a:t>.imgContainer</a:t>
-            </a:r>
-            <a:endParaRPr lang="fr-FR" sz="1400" dirty="0">
-              <a:latin typeface="Verdana" pitchFamily="34" charset="0"/>
+              <a:t>.labelImageTitle:before</a:t>
+            </a:r>
+          </a:p>
+          <a:p>
+            <a:r>
+              <a:rPr lang="fr-FR" sz="2000" dirty="0" smtClean="0">
+                <a:latin typeface="Freestyle Script" pitchFamily="66" charset="0"/>
+                <a:ea typeface="Verdana" pitchFamily="34" charset="0"/>
+                <a:cs typeface="Verdana" pitchFamily="34" charset="0"/>
+              </a:rPr>
+              <a:t>.labelFolderTitle:before</a:t>
+            </a:r>
+            <a:endParaRPr lang="fr-FR" sz="2000" dirty="0">
+              <a:latin typeface="Freestyle Script" pitchFamily="66" charset="0"/>
               <a:ea typeface="Verdana" pitchFamily="34" charset="0"/>
               <a:cs typeface="Verdana" pitchFamily="34" charset="0"/>
             </a:endParaRPr>
           </a:p>
         </p:txBody>
       </p:sp>
-      <p:cxnSp>
-        <p:nvCxnSpPr>
-          <p:cNvPr id="28" name="Connecteur droit avec flèche 27"/>
-          <p:cNvCxnSpPr/>
+      <p:sp>
+        <p:nvSpPr>
+          <p:cNvPr id="31" name="ZoneTexte 30"/>
+          <p:cNvSpPr txBox="1"/>
           <p:nvPr/>
-        </p:nvCxnSpPr>
+        </p:nvSpPr>
         <p:spPr>
           <a:xfrm>
-            <a:off x="6186393" y="640433"/>
-            <a:ext cx="0" cy="438744"/>
-          </a:xfrm>
-          <a:prstGeom prst="straightConnector1">
-            <a:avLst/>
-          </a:prstGeom>
-          <a:ln>
-            <a:headEnd type="none" w="med" len="med"/>
-            <a:tailEnd type="triangle" w="med" len="med"/>
-          </a:ln>
-        </p:spPr>
-        <p:style>
-          <a:lnRef idx="3">
-            <a:schemeClr val="accent2"/>
-          </a:lnRef>
-          <a:fillRef idx="0">
-            <a:schemeClr val="accent2"/>
-          </a:fillRef>
-          <a:effectRef idx="2">
-            <a:schemeClr val="accent2"/>
-          </a:effectRef>
-          <a:fontRef idx="minor">
-            <a:schemeClr val="tx1"/>
-          </a:fontRef>
-        </p:style>
-      </p:cxnSp>
-      <p:cxnSp>
-        <p:nvCxnSpPr>
-          <p:cNvPr id="37" name="Connecteur droit avec flèche 36"/>
-          <p:cNvCxnSpPr/>
-          <p:nvPr/>
-        </p:nvCxnSpPr>
-        <p:spPr>
-          <a:xfrm flipV="1">
-            <a:off x="6617957" y="5488015"/>
-            <a:ext cx="0" cy="353344"/>
-          </a:xfrm>
-          <a:prstGeom prst="straightConnector1">
-            <a:avLst/>
-          </a:prstGeom>
-          <a:ln>
-            <a:solidFill>
-              <a:schemeClr val="accent1"/>
-            </a:solidFill>
-            <a:headEnd type="none" w="med" len="med"/>
-            <a:tailEnd type="triangle" w="med" len="med"/>
-          </a:ln>
-        </p:spPr>
-        <p:style>
-          <a:lnRef idx="3">
-            <a:schemeClr val="accent3"/>
-          </a:lnRef>
-          <a:fillRef idx="0">
-            <a:schemeClr val="accent3"/>
-          </a:fillRef>
-          <a:effectRef idx="2">
-            <a:schemeClr val="accent3"/>
-          </a:effectRef>
-          <a:fontRef idx="minor">
-            <a:schemeClr val="tx1"/>
-          </a:fontRef>
-        </p:style>
-      </p:cxnSp>
-      <p:sp>
-        <p:nvSpPr>
-          <p:cNvPr id="30" name="ZoneTexte 29"/>
-          <p:cNvSpPr txBox="1"/>
-          <p:nvPr/>
-        </p:nvSpPr>
-        <p:spPr>
-          <a:xfrm>
-            <a:off x="1907704" y="5825009"/>
-            <a:ext cx="2286780" cy="523220"/>
+            <a:off x="3797175" y="5157192"/>
+            <a:ext cx="918841" cy="400110"/>
           </a:xfrm>
           <a:prstGeom prst="rect">
             <a:avLst/>
@@ -3734,140 +3633,37 @@
           <a:lstStyle/>
           <a:p>
             <a:r>
-              <a:rPr lang="fr-FR" sz="1400" dirty="0" smtClean="0">
-                <a:latin typeface="Verdana" pitchFamily="34" charset="0"/>
+              <a:rPr lang="fr-FR" sz="2000" dirty="0" smtClean="0">
+                <a:latin typeface="Freestyle Script" pitchFamily="66" charset="0"/>
                 <a:ea typeface="Verdana" pitchFamily="34" charset="0"/>
                 <a:cs typeface="Verdana" pitchFamily="34" charset="0"/>
               </a:rPr>
-              <a:t>.</a:t>
-            </a:r>
-            <a:r>
-              <a:rPr lang="fr-FR" sz="1400" dirty="0" smtClean="0">
-                <a:latin typeface="Verdana" pitchFamily="34" charset="0"/>
-                <a:ea typeface="Verdana" pitchFamily="34" charset="0"/>
-                <a:cs typeface="Verdana" pitchFamily="34" charset="0"/>
-              </a:rPr>
-              <a:t>labelImageTitle:before</a:t>
-            </a:r>
-            <a:endParaRPr lang="fr-FR" sz="1400" dirty="0" smtClean="0">
-              <a:latin typeface="Verdana" pitchFamily="34" charset="0"/>
+              <a:t>.labelImage</a:t>
+            </a:r>
+            <a:endParaRPr lang="fr-FR" sz="2000" dirty="0">
+              <a:latin typeface="Freestyle Script" pitchFamily="66" charset="0"/>
               <a:ea typeface="Verdana" pitchFamily="34" charset="0"/>
               <a:cs typeface="Verdana" pitchFamily="34" charset="0"/>
             </a:endParaRPr>
           </a:p>
-          <a:p>
-            <a:r>
-              <a:rPr lang="fr-FR" sz="1400" dirty="0" smtClean="0">
-                <a:latin typeface="Verdana" pitchFamily="34" charset="0"/>
-                <a:ea typeface="Verdana" pitchFamily="34" charset="0"/>
-                <a:cs typeface="Verdana" pitchFamily="34" charset="0"/>
-              </a:rPr>
-              <a:t>.</a:t>
-            </a:r>
-            <a:r>
-              <a:rPr lang="fr-FR" sz="1400" dirty="0" smtClean="0">
-                <a:latin typeface="Verdana" pitchFamily="34" charset="0"/>
-                <a:ea typeface="Verdana" pitchFamily="34" charset="0"/>
-                <a:cs typeface="Verdana" pitchFamily="34" charset="0"/>
-              </a:rPr>
-              <a:t>labelFolderTitle:before</a:t>
-            </a:r>
-            <a:endParaRPr lang="fr-FR" sz="1400" dirty="0">
-              <a:latin typeface="Verdana" pitchFamily="34" charset="0"/>
-              <a:ea typeface="Verdana" pitchFamily="34" charset="0"/>
-              <a:cs typeface="Verdana" pitchFamily="34" charset="0"/>
-            </a:endParaRPr>
-          </a:p>
-        </p:txBody>
-      </p:sp>
-      <p:sp>
-        <p:nvSpPr>
-          <p:cNvPr id="31" name="ZoneTexte 30"/>
-          <p:cNvSpPr txBox="1"/>
+        </p:txBody>
+      </p:sp>
+      <p:sp>
+        <p:nvSpPr>
+          <p:cNvPr id="53" name="Rectangle 52"/>
+          <p:cNvSpPr/>
           <p:nvPr/>
         </p:nvSpPr>
         <p:spPr>
           <a:xfrm>
-            <a:off x="6012160" y="5825009"/>
-            <a:ext cx="1253869" cy="307777"/>
+            <a:off x="683568" y="907490"/>
+            <a:ext cx="7344816" cy="4719295"/>
           </a:xfrm>
           <a:prstGeom prst="rect">
             <a:avLst/>
           </a:prstGeom>
           <a:noFill/>
-        </p:spPr>
-        <p:txBody>
-          <a:bodyPr wrap="none" rtlCol="0">
-            <a:spAutoFit/>
-          </a:bodyPr>
-          <a:lstStyle/>
-          <a:p>
-            <a:r>
-              <a:rPr lang="fr-FR" sz="1400" dirty="0" smtClean="0">
-                <a:latin typeface="Verdana" pitchFamily="34" charset="0"/>
-                <a:ea typeface="Verdana" pitchFamily="34" charset="0"/>
-                <a:cs typeface="Verdana" pitchFamily="34" charset="0"/>
-              </a:rPr>
-              <a:t>.labelImage</a:t>
-            </a:r>
-            <a:endParaRPr lang="fr-FR" sz="1400" dirty="0">
-              <a:latin typeface="Verdana" pitchFamily="34" charset="0"/>
-              <a:ea typeface="Verdana" pitchFamily="34" charset="0"/>
-              <a:cs typeface="Verdana" pitchFamily="34" charset="0"/>
-            </a:endParaRPr>
-          </a:p>
-        </p:txBody>
-      </p:sp>
-      <p:cxnSp>
-        <p:nvCxnSpPr>
-          <p:cNvPr id="40" name="Connecteur droit avec flèche 39"/>
-          <p:cNvCxnSpPr/>
-          <p:nvPr/>
-        </p:nvCxnSpPr>
-        <p:spPr>
-          <a:xfrm flipH="1" flipV="1">
-            <a:off x="2267745" y="4738183"/>
-            <a:ext cx="85392" cy="1158834"/>
-          </a:xfrm>
-          <a:prstGeom prst="straightConnector1">
-            <a:avLst/>
-          </a:prstGeom>
-          <a:ln>
-            <a:headEnd type="none" w="med" len="med"/>
-            <a:tailEnd type="triangle" w="med" len="med"/>
-          </a:ln>
-        </p:spPr>
-        <p:style>
-          <a:lnRef idx="3">
-            <a:schemeClr val="accent6"/>
-          </a:lnRef>
-          <a:fillRef idx="0">
-            <a:schemeClr val="accent6"/>
-          </a:fillRef>
-          <a:effectRef idx="2">
-            <a:schemeClr val="accent6"/>
-          </a:effectRef>
-          <a:fontRef idx="minor">
-            <a:schemeClr val="tx1"/>
-          </a:fontRef>
-        </p:style>
-      </p:cxnSp>
-      <p:sp>
-        <p:nvSpPr>
-          <p:cNvPr id="53" name="Rectangle 52"/>
-          <p:cNvSpPr/>
-          <p:nvPr/>
-        </p:nvSpPr>
-        <p:spPr>
-          <a:xfrm>
-            <a:off x="395536" y="260648"/>
-            <a:ext cx="8424936" cy="6346466"/>
-          </a:xfrm>
-          <a:prstGeom prst="rect">
-            <a:avLst/>
-          </a:prstGeom>
-          <a:noFill/>
-          <a:ln>
+          <a:ln w="12700">
             <a:solidFill>
               <a:schemeClr val="bg1">
                 <a:lumMod val="75000"/>
@@ -3896,7 +3692,9 @@
           <a:lstStyle/>
           <a:p>
             <a:pPr algn="ctr"/>
-            <a:endParaRPr lang="fr-FR"/>
+            <a:endParaRPr lang="fr-FR" sz="2800">
+              <a:latin typeface="Freestyle Script" pitchFamily="66" charset="0"/>
+            </a:endParaRPr>
           </a:p>
         </p:txBody>
       </p:sp>
@@ -3908,8 +3706,8 @@
         </p:nvSpPr>
         <p:spPr>
           <a:xfrm>
-            <a:off x="6948264" y="6500122"/>
-            <a:ext cx="1728192" cy="230832"/>
+            <a:off x="5433169" y="5301208"/>
+            <a:ext cx="2444597" cy="400110"/>
           </a:xfrm>
           <a:prstGeom prst="rect">
             <a:avLst/>
@@ -3943,15 +3741,23 @@
           <a:p>
             <a:pPr algn="ctr"/>
             <a:r>
-              <a:rPr lang="fr-FR" sz="900" b="1" dirty="0" smtClean="0">
-                <a:latin typeface="Verdana" pitchFamily="34" charset="0"/>
+              <a:rPr lang="fr-FR" sz="2000" dirty="0" smtClean="0">
+                <a:latin typeface="Freestyle Script" pitchFamily="66" charset="0"/>
                 <a:ea typeface="Verdana" pitchFamily="34" charset="0"/>
                 <a:cs typeface="Verdana" pitchFamily="34" charset="0"/>
               </a:rPr>
-              <a:t>CSS nanoGALLERY</a:t>
-            </a:r>
-            <a:endParaRPr lang="fr-FR" sz="900" b="1" dirty="0">
-              <a:latin typeface="Verdana" pitchFamily="34" charset="0"/>
+              <a:t>CSS </a:t>
+            </a:r>
+            <a:r>
+              <a:rPr lang="fr-FR" sz="2000" dirty="0" smtClean="0">
+                <a:latin typeface="Freestyle Script" pitchFamily="66" charset="0"/>
+                <a:ea typeface="Verdana" pitchFamily="34" charset="0"/>
+                <a:cs typeface="Verdana" pitchFamily="34" charset="0"/>
+              </a:rPr>
+              <a:t>nanoGALLERY - thumbnail</a:t>
+            </a:r>
+            <a:endParaRPr lang="fr-FR" sz="2000" dirty="0">
+              <a:latin typeface="Freestyle Script" pitchFamily="66" charset="0"/>
               <a:ea typeface="Verdana" pitchFamily="34" charset="0"/>
               <a:cs typeface="Verdana" pitchFamily="34" charset="0"/>
             </a:endParaRPr>
@@ -3966,8 +3772,8 @@
         </p:nvSpPr>
         <p:spPr>
           <a:xfrm>
-            <a:off x="4355976" y="5825009"/>
-            <a:ext cx="1629549" cy="523220"/>
+            <a:off x="6574913" y="3861048"/>
+            <a:ext cx="1322798" cy="707886"/>
           </a:xfrm>
           <a:prstGeom prst="rect">
             <a:avLst/>
@@ -3981,73 +3787,369 @@
           <a:lstStyle/>
           <a:p>
             <a:r>
-              <a:rPr lang="fr-FR" sz="1400" dirty="0" smtClean="0">
-                <a:latin typeface="Verdana" pitchFamily="34" charset="0"/>
+              <a:rPr lang="fr-FR" sz="2000" dirty="0" smtClean="0">
+                <a:latin typeface="Freestyle Script" pitchFamily="66" charset="0"/>
                 <a:ea typeface="Verdana" pitchFamily="34" charset="0"/>
                 <a:cs typeface="Verdana" pitchFamily="34" charset="0"/>
               </a:rPr>
-              <a:t>.</a:t>
-            </a:r>
-            <a:r>
-              <a:rPr lang="fr-FR" sz="1400" dirty="0" smtClean="0">
-                <a:latin typeface="Verdana" pitchFamily="34" charset="0"/>
-                <a:ea typeface="Verdana" pitchFamily="34" charset="0"/>
-                <a:cs typeface="Verdana" pitchFamily="34" charset="0"/>
-              </a:rPr>
-              <a:t>labelImageTitle</a:t>
-            </a:r>
-          </a:p>
-          <a:p>
-            <a:r>
-              <a:rPr lang="fr-FR" sz="1400" dirty="0" smtClean="0">
-                <a:latin typeface="Verdana" pitchFamily="34" charset="0"/>
+              <a:t>.labelImageTitle</a:t>
+            </a:r>
+          </a:p>
+          <a:p>
+            <a:r>
+              <a:rPr lang="fr-FR" sz="2000" dirty="0" smtClean="0">
+                <a:latin typeface="Freestyle Script" pitchFamily="66" charset="0"/>
                 <a:ea typeface="Verdana" pitchFamily="34" charset="0"/>
                 <a:cs typeface="Verdana" pitchFamily="34" charset="0"/>
               </a:rPr>
               <a:t>.labelFolderTitle</a:t>
             </a:r>
-            <a:endParaRPr lang="fr-FR" sz="1400" dirty="0">
-              <a:latin typeface="Verdana" pitchFamily="34" charset="0"/>
+            <a:endParaRPr lang="fr-FR" sz="2000" dirty="0">
+              <a:latin typeface="Freestyle Script" pitchFamily="66" charset="0"/>
               <a:ea typeface="Verdana" pitchFamily="34" charset="0"/>
               <a:cs typeface="Verdana" pitchFamily="34" charset="0"/>
             </a:endParaRPr>
           </a:p>
         </p:txBody>
       </p:sp>
-      <p:cxnSp>
-        <p:nvCxnSpPr>
-          <p:cNvPr id="23" name="Connecteur droit avec flèche 22"/>
-          <p:cNvCxnSpPr/>
+      <p:sp>
+        <p:nvSpPr>
+          <p:cNvPr id="2" name="Arc 1"/>
+          <p:cNvSpPr/>
           <p:nvPr/>
-        </p:nvCxnSpPr>
+        </p:nvSpPr>
         <p:spPr>
-          <a:xfrm flipH="1" flipV="1">
-            <a:off x="5350704" y="4738182"/>
-            <a:ext cx="85392" cy="1158834"/>
+          <a:xfrm>
+            <a:off x="1997683" y="1107545"/>
+            <a:ext cx="756085" cy="556319"/>
           </a:xfrm>
-          <a:prstGeom prst="straightConnector1">
-            <a:avLst/>
+          <a:prstGeom prst="arc">
+            <a:avLst>
+              <a:gd name="adj1" fmla="val 16200000"/>
+              <a:gd name="adj2" fmla="val 864374"/>
+            </a:avLst>
           </a:prstGeom>
           <a:ln>
+            <a:solidFill>
+              <a:schemeClr val="bg1">
+                <a:lumMod val="50000"/>
+              </a:schemeClr>
+            </a:solidFill>
             <a:headEnd type="none" w="med" len="med"/>
-            <a:tailEnd type="triangle" w="med" len="med"/>
+            <a:tailEnd type="arrow" w="med" len="med"/>
           </a:ln>
         </p:spPr>
         <p:style>
-          <a:lnRef idx="3">
-            <a:schemeClr val="accent2"/>
+          <a:lnRef idx="1">
+            <a:schemeClr val="accent1"/>
           </a:lnRef>
           <a:fillRef idx="0">
-            <a:schemeClr val="accent2"/>
+            <a:schemeClr val="accent1"/>
           </a:fillRef>
-          <a:effectRef idx="2">
-            <a:schemeClr val="accent2"/>
+          <a:effectRef idx="0">
+            <a:schemeClr val="accent1"/>
           </a:effectRef>
           <a:fontRef idx="minor">
             <a:schemeClr val="tx1"/>
           </a:fontRef>
         </p:style>
-      </p:cxnSp>
+        <p:txBody>
+          <a:bodyPr rtlCol="0" anchor="ctr"/>
+          <a:lstStyle/>
+          <a:p>
+            <a:pPr algn="ctr"/>
+            <a:endParaRPr lang="fr-FR"/>
+          </a:p>
+        </p:txBody>
+      </p:sp>
+      <p:sp>
+        <p:nvSpPr>
+          <p:cNvPr id="26" name="Arc 25"/>
+          <p:cNvSpPr/>
+          <p:nvPr/>
+        </p:nvSpPr>
+        <p:spPr>
+          <a:xfrm rot="1615660" flipH="1">
+            <a:off x="6043423" y="1331316"/>
+            <a:ext cx="1454276" cy="1105913"/>
+          </a:xfrm>
+          <a:prstGeom prst="arc">
+            <a:avLst>
+              <a:gd name="adj1" fmla="val 16200000"/>
+              <a:gd name="adj2" fmla="val 1050470"/>
+            </a:avLst>
+          </a:prstGeom>
+          <a:ln>
+            <a:solidFill>
+              <a:schemeClr val="bg1">
+                <a:lumMod val="50000"/>
+              </a:schemeClr>
+            </a:solidFill>
+            <a:headEnd type="none" w="med" len="med"/>
+            <a:tailEnd type="arrow" w="med" len="med"/>
+          </a:ln>
+        </p:spPr>
+        <p:style>
+          <a:lnRef idx="1">
+            <a:schemeClr val="accent1"/>
+          </a:lnRef>
+          <a:fillRef idx="0">
+            <a:schemeClr val="accent1"/>
+          </a:fillRef>
+          <a:effectRef idx="0">
+            <a:schemeClr val="accent1"/>
+          </a:effectRef>
+          <a:fontRef idx="minor">
+            <a:schemeClr val="tx1"/>
+          </a:fontRef>
+        </p:style>
+        <p:txBody>
+          <a:bodyPr rtlCol="0" anchor="ctr"/>
+          <a:lstStyle/>
+          <a:p>
+            <a:pPr algn="ctr"/>
+            <a:endParaRPr lang="fr-FR"/>
+          </a:p>
+        </p:txBody>
+      </p:sp>
+      <p:sp>
+        <p:nvSpPr>
+          <p:cNvPr id="3" name="Arc 2"/>
+          <p:cNvSpPr/>
+          <p:nvPr/>
+        </p:nvSpPr>
+        <p:spPr>
+          <a:xfrm rot="16865082" flipH="1" flipV="1">
+            <a:off x="1481930" y="3082091"/>
+            <a:ext cx="1440597" cy="1691243"/>
+          </a:xfrm>
+          <a:prstGeom prst="arc">
+            <a:avLst>
+              <a:gd name="adj1" fmla="val 16200000"/>
+              <a:gd name="adj2" fmla="val 20045436"/>
+            </a:avLst>
+          </a:prstGeom>
+          <a:ln>
+            <a:solidFill>
+              <a:schemeClr val="bg1">
+                <a:lumMod val="50000"/>
+              </a:schemeClr>
+            </a:solidFill>
+            <a:headEnd type="arrow" w="med" len="med"/>
+            <a:tailEnd type="none" w="med" len="med"/>
+          </a:ln>
+        </p:spPr>
+        <p:style>
+          <a:lnRef idx="1">
+            <a:schemeClr val="accent1"/>
+          </a:lnRef>
+          <a:fillRef idx="0">
+            <a:schemeClr val="accent1"/>
+          </a:fillRef>
+          <a:effectRef idx="0">
+            <a:schemeClr val="accent1"/>
+          </a:effectRef>
+          <a:fontRef idx="minor">
+            <a:schemeClr val="tx1"/>
+          </a:fontRef>
+        </p:style>
+        <p:txBody>
+          <a:bodyPr rtlCol="0" anchor="ctr"/>
+          <a:lstStyle/>
+          <a:p>
+            <a:pPr algn="ctr"/>
+            <a:endParaRPr lang="fr-FR"/>
+          </a:p>
+        </p:txBody>
+      </p:sp>
+      <p:sp>
+        <p:nvSpPr>
+          <p:cNvPr id="29" name="Arc 28"/>
+          <p:cNvSpPr/>
+          <p:nvPr/>
+        </p:nvSpPr>
+        <p:spPr>
+          <a:xfrm rot="16865082" flipH="1" flipV="1">
+            <a:off x="3744540" y="3816966"/>
+            <a:ext cx="1440597" cy="1691243"/>
+          </a:xfrm>
+          <a:prstGeom prst="arc">
+            <a:avLst>
+              <a:gd name="adj1" fmla="val 16200000"/>
+              <a:gd name="adj2" fmla="val 20045436"/>
+            </a:avLst>
+          </a:prstGeom>
+          <a:ln>
+            <a:solidFill>
+              <a:schemeClr val="bg1">
+                <a:lumMod val="50000"/>
+              </a:schemeClr>
+            </a:solidFill>
+            <a:headEnd type="arrow" w="med" len="med"/>
+            <a:tailEnd type="none" w="med" len="med"/>
+          </a:ln>
+        </p:spPr>
+        <p:style>
+          <a:lnRef idx="1">
+            <a:schemeClr val="accent1"/>
+          </a:lnRef>
+          <a:fillRef idx="0">
+            <a:schemeClr val="accent1"/>
+          </a:fillRef>
+          <a:effectRef idx="0">
+            <a:schemeClr val="accent1"/>
+          </a:effectRef>
+          <a:fontRef idx="minor">
+            <a:schemeClr val="tx1"/>
+          </a:fontRef>
+        </p:style>
+        <p:txBody>
+          <a:bodyPr rtlCol="0" anchor="ctr"/>
+          <a:lstStyle/>
+          <a:p>
+            <a:pPr algn="ctr"/>
+            <a:endParaRPr lang="fr-FR"/>
+          </a:p>
+        </p:txBody>
+      </p:sp>
+      <p:sp>
+        <p:nvSpPr>
+          <p:cNvPr id="32" name="Arc 31"/>
+          <p:cNvSpPr/>
+          <p:nvPr/>
+        </p:nvSpPr>
+        <p:spPr>
+          <a:xfrm rot="1615660" flipH="1">
+            <a:off x="5368279" y="4093720"/>
+            <a:ext cx="2018295" cy="1137734"/>
+          </a:xfrm>
+          <a:prstGeom prst="arc">
+            <a:avLst>
+              <a:gd name="adj1" fmla="val 16200000"/>
+              <a:gd name="adj2" fmla="val 21133820"/>
+            </a:avLst>
+          </a:prstGeom>
+          <a:ln>
+            <a:solidFill>
+              <a:schemeClr val="bg1">
+                <a:lumMod val="50000"/>
+              </a:schemeClr>
+            </a:solidFill>
+            <a:headEnd type="none" w="med" len="med"/>
+            <a:tailEnd type="arrow" w="med" len="med"/>
+          </a:ln>
+        </p:spPr>
+        <p:style>
+          <a:lnRef idx="1">
+            <a:schemeClr val="accent1"/>
+          </a:lnRef>
+          <a:fillRef idx="0">
+            <a:schemeClr val="accent1"/>
+          </a:fillRef>
+          <a:effectRef idx="0">
+            <a:schemeClr val="accent1"/>
+          </a:effectRef>
+          <a:fontRef idx="minor">
+            <a:schemeClr val="tx1"/>
+          </a:fontRef>
+        </p:style>
+        <p:txBody>
+          <a:bodyPr rtlCol="0" anchor="ctr"/>
+          <a:lstStyle/>
+          <a:p>
+            <a:pPr algn="ctr"/>
+            <a:endParaRPr lang="fr-FR"/>
+          </a:p>
+        </p:txBody>
+      </p:sp>
+      <p:sp>
+        <p:nvSpPr>
+          <p:cNvPr id="34" name="ZoneTexte 33"/>
+          <p:cNvSpPr txBox="1"/>
+          <p:nvPr/>
+        </p:nvSpPr>
+        <p:spPr>
+          <a:xfrm>
+            <a:off x="1162683" y="2127850"/>
+            <a:ext cx="1015021" cy="400110"/>
+          </a:xfrm>
+          <a:prstGeom prst="rect">
+            <a:avLst/>
+          </a:prstGeom>
+          <a:noFill/>
+        </p:spPr>
+        <p:txBody>
+          <a:bodyPr wrap="none" rtlCol="0">
+            <a:spAutoFit/>
+          </a:bodyPr>
+          <a:lstStyle/>
+          <a:p>
+            <a:r>
+              <a:rPr lang="fr-FR" sz="2000" dirty="0" smtClean="0">
+                <a:latin typeface="Freestyle Script" pitchFamily="66" charset="0"/>
+                <a:ea typeface="Verdana" pitchFamily="34" charset="0"/>
+                <a:cs typeface="Verdana" pitchFamily="34" charset="0"/>
+              </a:rPr>
+              <a:t>.subcontainer</a:t>
+            </a:r>
+            <a:endParaRPr lang="fr-FR" sz="2000" dirty="0">
+              <a:latin typeface="Freestyle Script" pitchFamily="66" charset="0"/>
+              <a:ea typeface="Verdana" pitchFamily="34" charset="0"/>
+              <a:cs typeface="Verdana" pitchFamily="34" charset="0"/>
+            </a:endParaRPr>
+          </a:p>
+        </p:txBody>
+      </p:sp>
+      <p:sp>
+        <p:nvSpPr>
+          <p:cNvPr id="36" name="Arc 35"/>
+          <p:cNvSpPr/>
+          <p:nvPr/>
+        </p:nvSpPr>
+        <p:spPr>
+          <a:xfrm rot="16865082" flipH="1" flipV="1">
+            <a:off x="1166096" y="713185"/>
+            <a:ext cx="1440597" cy="1691243"/>
+          </a:xfrm>
+          <a:prstGeom prst="arc">
+            <a:avLst>
+              <a:gd name="adj1" fmla="val 16200000"/>
+              <a:gd name="adj2" fmla="val 20045436"/>
+            </a:avLst>
+          </a:prstGeom>
+          <a:ln>
+            <a:solidFill>
+              <a:schemeClr val="bg1">
+                <a:lumMod val="50000"/>
+              </a:schemeClr>
+            </a:solidFill>
+            <a:headEnd type="arrow" w="med" len="med"/>
+            <a:tailEnd type="none" w="med" len="med"/>
+          </a:ln>
+        </p:spPr>
+        <p:style>
+          <a:lnRef idx="1">
+            <a:schemeClr val="accent1"/>
+          </a:lnRef>
+          <a:fillRef idx="0">
+            <a:schemeClr val="accent1"/>
+          </a:fillRef>
+          <a:effectRef idx="0">
+            <a:schemeClr val="accent1"/>
+          </a:effectRef>
+          <a:fontRef idx="minor">
+            <a:schemeClr val="tx1"/>
+          </a:fontRef>
+        </p:style>
+        <p:txBody>
+          <a:bodyPr rtlCol="0" anchor="ctr"/>
+          <a:lstStyle/>
+          <a:p>
+            <a:pPr algn="ctr"/>
+            <a:endParaRPr lang="fr-FR"/>
+          </a:p>
+        </p:txBody>
+      </p:sp>
     </p:spTree>
     <p:extLst>
       <p:ext uri="{BB962C8B-B14F-4D97-AF65-F5344CB8AC3E}">
